--- a/Automating Workflows with the Box API.pptx
+++ b/Automating Workflows with the Box API.pptx
@@ -5,7 +5,7 @@
     <p:sldMasterId id="2147493455" r:id="rId4"/>
   </p:sldMasterIdLst>
   <p:notesMasterIdLst>
-    <p:notesMasterId r:id="rId14"/>
+    <p:notesMasterId r:id="rId13"/>
   </p:notesMasterIdLst>
   <p:sldIdLst>
     <p:sldId id="264" r:id="rId5"/>
@@ -16,7 +16,6 @@
     <p:sldId id="267" r:id="rId10"/>
     <p:sldId id="270" r:id="rId11"/>
     <p:sldId id="271" r:id="rId12"/>
-    <p:sldId id="272" r:id="rId13"/>
   </p:sldIdLst>
   <p:sldSz cx="9144000" cy="6858000" type="screen4x3"/>
   <p:notesSz cx="6858000" cy="9144000"/>
@@ -216,7 +215,7 @@
           <a:p>
             <a:fld id="{C693A576-B0B7-6B46-9F1E-AF030D2C5E10}" type="datetimeFigureOut">
               <a:rPr lang="en-US" smtClean="0"/>
-              <a:t>4/26/2019</a:t>
+              <a:t>4/29/2019</a:t>
             </a:fld>
             <a:endParaRPr lang="en-US"/>
           </a:p>
@@ -1696,11 +1695,6 @@
               </a:rPr>
               <a:t>Working with public/private keys</a:t>
             </a:r>
-            <a:endParaRPr lang="en-US" sz="2000" dirty="0" smtClean="0">
-              <a:solidFill>
-                <a:schemeClr val="accent1"/>
-              </a:solidFill>
-            </a:endParaRPr>
           </a:p>
           <a:p>
             <a:pPr marL="285750" indent="-285750">
@@ -2194,15 +2188,24 @@
                   <a:schemeClr val="accent1"/>
                 </a:solidFill>
               </a:rPr>
-              <a:t>Create </a:t>
-            </a:r>
+              <a:t>Create an API app in Box developer’s console</a:t>
+            </a:r>
+          </a:p>
+          <a:p>
+            <a:pPr marL="285750" indent="-285750">
+              <a:lnSpc>
+                <a:spcPts val="3200"/>
+              </a:lnSpc>
+              <a:buFont typeface="Arial"/>
+              <a:buChar char="•"/>
+            </a:pPr>
             <a:r>
               <a:rPr lang="en-US" sz="2400" dirty="0" smtClean="0">
                 <a:solidFill>
                   <a:schemeClr val="accent1"/>
                 </a:solidFill>
               </a:rPr>
-              <a:t>an API app in Box developer’s console</a:t>
+              <a:t>Have Box admin authorize app</a:t>
             </a:r>
           </a:p>
           <a:p>
@@ -2219,7 +2222,7 @@
                   <a:schemeClr val="accent1"/>
                 </a:solidFill>
               </a:rPr>
-              <a:t>Have Box admin authorize app</a:t>
+              <a:t>Create app user for this app via API</a:t>
             </a:r>
           </a:p>
           <a:p>
@@ -2236,7 +2239,7 @@
                   <a:schemeClr val="accent1"/>
                 </a:solidFill>
               </a:rPr>
-              <a:t>Create app user for this app via API</a:t>
+              <a:t>add user as collaborator in target folder</a:t>
             </a:r>
           </a:p>
           <a:p>
@@ -2253,7 +2256,7 @@
                   <a:schemeClr val="accent1"/>
                 </a:solidFill>
               </a:rPr>
-              <a:t>add user as collaborator in target folder</a:t>
+              <a:t>Use app user to write to shared folder via API</a:t>
             </a:r>
           </a:p>
           <a:p>
@@ -2265,39 +2268,22 @@
               <a:buChar char="•"/>
             </a:pPr>
             <a:r>
+              <a:rPr lang="en-US" sz="2400" b="1" dirty="0" smtClean="0">
+                <a:solidFill>
+                  <a:schemeClr val="accent1"/>
+                </a:solidFill>
+              </a:rPr>
+              <a:t>Optional: </a:t>
+            </a:r>
+            <a:r>
               <a:rPr lang="en-US" sz="2400" dirty="0" smtClean="0">
                 <a:solidFill>
                   <a:schemeClr val="accent1"/>
                 </a:solidFill>
               </a:rPr>
-              <a:t>Use app user to write to shared folder via </a:t>
-            </a:r>
-            <a:r>
-              <a:rPr lang="en-US" sz="2400" dirty="0" smtClean="0">
-                <a:solidFill>
-                  <a:schemeClr val="accent1"/>
-                </a:solidFill>
-              </a:rPr>
-              <a:t>API</a:t>
-            </a:r>
-          </a:p>
-          <a:p>
-            <a:pPr marL="285750" indent="-285750">
-              <a:lnSpc>
-                <a:spcPts val="3200"/>
-              </a:lnSpc>
-              <a:buFont typeface="Arial"/>
-              <a:buChar char="•"/>
-            </a:pPr>
-            <a:r>
-              <a:rPr lang="en-US" sz="2400" dirty="0" smtClean="0">
-                <a:solidFill>
-                  <a:schemeClr val="accent1"/>
-                </a:solidFill>
-              </a:rPr>
-              <a:t>(Python scripts automate most of this process)</a:t>
-            </a:r>
-            <a:endParaRPr lang="en-US" sz="2400" dirty="0">
+              <a:t>wrap in shell script and invoke with CRON job</a:t>
+            </a:r>
+            <a:endParaRPr lang="en-US" sz="2400" b="1" dirty="0">
               <a:solidFill>
                 <a:schemeClr val="accent1"/>
               </a:solidFill>
@@ -2546,31 +2532,7 @@
                   <a:schemeClr val="accent1"/>
                 </a:solidFill>
               </a:rPr>
-              <a:t> to trigger report editing inside Box when </a:t>
-            </a:r>
-            <a:r>
-              <a:rPr lang="en-US" sz="2000" dirty="0" smtClean="0">
-                <a:solidFill>
-                  <a:schemeClr val="accent1"/>
-                </a:solidFill>
-              </a:rPr>
-              <a:t>underlying </a:t>
-            </a:r>
-            <a:r>
-              <a:rPr lang="en-US" sz="2000" dirty="0" smtClean="0">
-                <a:solidFill>
-                  <a:schemeClr val="accent1"/>
-                </a:solidFill>
-              </a:rPr>
-              <a:t>Alma data </a:t>
-            </a:r>
-            <a:r>
-              <a:rPr lang="en-US" sz="2000" dirty="0" smtClean="0">
-                <a:solidFill>
-                  <a:schemeClr val="accent1"/>
-                </a:solidFill>
-              </a:rPr>
-              <a:t>changes</a:t>
+              <a:t> to trigger report editing inside Box when underlying Alma data changes</a:t>
             </a:r>
           </a:p>
           <a:p>
@@ -2825,7 +2787,7 @@
         <p:spPr>
           <a:xfrm>
             <a:off x="539751" y="2993137"/>
-            <a:ext cx="3540521" cy="923330"/>
+            <a:ext cx="2653162" cy="646331"/>
           </a:xfrm>
           <a:prstGeom prst="rect">
             <a:avLst/>
@@ -2852,15 +2814,29 @@
                   <a:srgbClr val="2072AE"/>
                 </a:solidFill>
               </a:rPr>
-              <a:t> Examples:</a:t>
-            </a:r>
-          </a:p>
-          <a:p>
-            <a:r>
-              <a:rPr lang="en-US" b="1" dirty="0" smtClean="0"/>
-              <a:t>Authentication and writing</a:t>
-            </a:r>
-            <a:endParaRPr lang="en-US" b="1" dirty="0"/>
+              <a:t> </a:t>
+            </a:r>
+            <a:r>
+              <a:rPr lang="en-US" sz="3600" b="1" dirty="0" smtClean="0">
+                <a:solidFill>
+                  <a:srgbClr val="2072AE"/>
+                </a:solidFill>
+              </a:rPr>
+              <a:t>page</a:t>
+            </a:r>
+            <a:r>
+              <a:rPr lang="en-US" sz="3600" b="1" dirty="0" smtClean="0">
+                <a:solidFill>
+                  <a:srgbClr val="2072AE"/>
+                </a:solidFill>
+              </a:rPr>
+              <a:t>:</a:t>
+            </a:r>
+            <a:endParaRPr lang="en-US" sz="3600" b="1" dirty="0" smtClean="0">
+              <a:solidFill>
+                <a:srgbClr val="2072AE"/>
+              </a:solidFill>
+            </a:endParaRPr>
           </a:p>
         </p:txBody>
       </p:sp>
@@ -2873,7 +2849,7 @@
         <p:spPr>
           <a:xfrm>
             <a:off x="1250302" y="4051491"/>
-            <a:ext cx="5379098" cy="820738"/>
+            <a:ext cx="5379098" cy="799386"/>
           </a:xfrm>
           <a:prstGeom prst="rect">
             <a:avLst/>
@@ -2893,38 +2869,11 @@
               <a:buChar char="•"/>
             </a:pPr>
             <a:r>
-              <a:rPr lang="en-US" sz="2400" dirty="0" smtClean="0">
-                <a:solidFill>
-                  <a:srgbClr val="FF0000"/>
-                </a:solidFill>
-              </a:rPr>
-              <a:t>&lt;</a:t>
-            </a:r>
-            <a:r>
-              <a:rPr lang="en-US" sz="2400" dirty="0" err="1" smtClean="0">
-                <a:solidFill>
-                  <a:srgbClr val="FF0000"/>
-                </a:solidFill>
-              </a:rPr>
-              <a:t>github</a:t>
-            </a:r>
-            <a:r>
-              <a:rPr lang="en-US" sz="2400" dirty="0" smtClean="0">
-                <a:solidFill>
-                  <a:srgbClr val="FF0000"/>
-                </a:solidFill>
-              </a:rPr>
-              <a:t> page&gt;</a:t>
-            </a:r>
-          </a:p>
-          <a:p>
-            <a:pPr marL="285750" indent="-285750">
-              <a:lnSpc>
-                <a:spcPts val="3200"/>
-              </a:lnSpc>
-              <a:buFont typeface="Arial"/>
-              <a:buChar char="•"/>
-            </a:pPr>
+              <a:rPr lang="en-US" sz="2400" dirty="0">
+                <a:hlinkClick r:id="rId3"/>
+              </a:rPr>
+              <a:t>https://github.com/TuftsUniversity/box-api-access</a:t>
+            </a:r>
             <a:endParaRPr lang="en-US" sz="2400" dirty="0" smtClean="0">
               <a:solidFill>
                 <a:schemeClr val="accent1"/>
@@ -2937,106 +2886,6 @@
     <p:extLst>
       <p:ext uri="{BB962C8B-B14F-4D97-AF65-F5344CB8AC3E}">
         <p14:creationId xmlns:p14="http://schemas.microsoft.com/office/powerpoint/2010/main" val="569121820"/>
-      </p:ext>
-    </p:extLst>
-  </p:cSld>
-  <p:clrMapOvr>
-    <a:masterClrMapping/>
-  </p:clrMapOvr>
-  <p:timing>
-    <p:tnLst>
-      <p:par>
-        <p:cTn id="1" dur="indefinite" restart="never" nodeType="tmRoot"/>
-      </p:par>
-    </p:tnLst>
-  </p:timing>
-</p:sld>
-</file>
-
-<file path=ppt/slides/slide9.xml><?xml version="1.0" encoding="utf-8"?>
-<p:sld xmlns:a="http://schemas.openxmlformats.org/drawingml/2006/main" xmlns:r="http://schemas.openxmlformats.org/officeDocument/2006/relationships" xmlns:p="http://schemas.openxmlformats.org/presentationml/2006/main">
-  <p:cSld>
-    <p:spTree>
-      <p:nvGrpSpPr>
-        <p:cNvPr id="1" name=""/>
-        <p:cNvGrpSpPr/>
-        <p:nvPr/>
-      </p:nvGrpSpPr>
-      <p:grpSpPr>
-        <a:xfrm>
-          <a:off x="0" y="0"/>
-          <a:ext cx="0" cy="0"/>
-          <a:chOff x="0" y="0"/>
-          <a:chExt cx="0" cy="0"/>
-        </a:xfrm>
-      </p:grpSpPr>
-      <p:sp>
-        <p:nvSpPr>
-          <p:cNvPr id="10" name="TextBox 9"/>
-          <p:cNvSpPr txBox="1"/>
-          <p:nvPr/>
-        </p:nvSpPr>
-        <p:spPr>
-          <a:xfrm>
-            <a:off x="-4851400" y="2387600"/>
-            <a:ext cx="184666" cy="369332"/>
-          </a:xfrm>
-          <a:prstGeom prst="rect">
-            <a:avLst/>
-          </a:prstGeom>
-          <a:noFill/>
-        </p:spPr>
-        <p:txBody>
-          <a:bodyPr wrap="none" rtlCol="0">
-            <a:spAutoFit/>
-          </a:bodyPr>
-          <a:lstStyle/>
-          <a:p>
-            <a:endParaRPr lang="en-US" dirty="0"/>
-          </a:p>
-        </p:txBody>
-      </p:sp>
-      <p:sp>
-        <p:nvSpPr>
-          <p:cNvPr id="12" name="Rectangle 11"/>
-          <p:cNvSpPr/>
-          <p:nvPr/>
-        </p:nvSpPr>
-        <p:spPr>
-          <a:xfrm>
-            <a:off x="625151" y="1062653"/>
-            <a:ext cx="5379098" cy="551498"/>
-          </a:xfrm>
-          <a:prstGeom prst="rect">
-            <a:avLst/>
-          </a:prstGeom>
-        </p:spPr>
-        <p:txBody>
-          <a:bodyPr wrap="square" lIns="0" tIns="0" rIns="0" bIns="0">
-            <a:spAutoFit/>
-          </a:bodyPr>
-          <a:lstStyle/>
-          <a:p>
-            <a:pPr>
-              <a:lnSpc>
-                <a:spcPts val="3200"/>
-              </a:lnSpc>
-            </a:pPr>
-            <a:r>
-              <a:rPr lang="en-US" sz="7200" b="1" dirty="0">
-                <a:solidFill>
-                  <a:srgbClr val="2072AE"/>
-                </a:solidFill>
-              </a:rPr>
-              <a:t>Questions?</a:t>
-            </a:r>
-          </a:p>
-        </p:txBody>
-      </p:sp>
-    </p:spTree>
-    <p:extLst>
-      <p:ext uri="{BB962C8B-B14F-4D97-AF65-F5344CB8AC3E}">
-        <p14:creationId xmlns:p14="http://schemas.microsoft.com/office/powerpoint/2010/main" val="779972150"/>
       </p:ext>
     </p:extLst>
   </p:cSld>
@@ -3694,6 +3543,15 @@
 </file>
 
 <file path=customXml/item1.xml><?xml version="1.0" encoding="utf-8"?>
+<p:properties xmlns:p="http://schemas.microsoft.com/office/2006/metadata/properties" xmlns:xsi="http://www.w3.org/2001/XMLSchema-instance" xmlns:pc="http://schemas.microsoft.com/office/infopath/2007/PartnerControls">
+  <documentManagement>
+    <_Version xmlns="http://schemas.microsoft.com/sharepoint/v3/fields" xsi:nil="true"/>
+    <_Status xmlns="http://schemas.microsoft.com/sharepoint/v3/fields">Not Started</_Status>
+  </documentManagement>
+</p:properties>
+</file>
+
+<file path=customXml/item2.xml><?xml version="1.0" encoding="utf-8"?>
 <ct:contentTypeSchema xmlns:ct="http://schemas.microsoft.com/office/2006/metadata/contentType" xmlns:ma="http://schemas.microsoft.com/office/2006/metadata/properties/metaAttributes" ct:_="" ma:_="" ma:contentTypeName="Document" ma:contentTypeID="0x0101000DE64AEEDD9B7A4D93545ACBE97D4615" ma:contentTypeVersion="2" ma:contentTypeDescription="Create a new document." ma:contentTypeScope="" ma:versionID="f49002b78e3a4a71b814eef46a983816">
   <xsd:schema xmlns:xsd="http://www.w3.org/2001/XMLSchema" xmlns:xs="http://www.w3.org/2001/XMLSchema" xmlns:p="http://schemas.microsoft.com/office/2006/metadata/properties" xmlns:ns2="http://schemas.microsoft.com/sharepoint/v3/fields" targetNamespace="http://schemas.microsoft.com/office/2006/metadata/properties" ma:root="true" ma:fieldsID="38f6db2dd0d9a0cf6a8dc37be32b365b" ns2:_="">
     <xsd:import namespace="http://schemas.microsoft.com/sharepoint/v3/fields"/>
@@ -3837,15 +3695,6 @@
 </ct:contentTypeSchema>
 </file>
 
-<file path=customXml/item2.xml><?xml version="1.0" encoding="utf-8"?>
-<p:properties xmlns:p="http://schemas.microsoft.com/office/2006/metadata/properties" xmlns:xsi="http://www.w3.org/2001/XMLSchema-instance" xmlns:pc="http://schemas.microsoft.com/office/infopath/2007/PartnerControls">
-  <documentManagement>
-    <_Version xmlns="http://schemas.microsoft.com/sharepoint/v3/fields" xsi:nil="true"/>
-    <_Status xmlns="http://schemas.microsoft.com/sharepoint/v3/fields">Not Started</_Status>
-  </documentManagement>
-</p:properties>
-</file>
-
 <file path=customXml/item3.xml><?xml version="1.0" encoding="utf-8"?>
 <?mso-contentType ?>
 <FormTemplates xmlns="http://schemas.microsoft.com/sharepoint/v3/contenttype/forms">
@@ -3856,6 +3705,16 @@
 </file>
 
 <file path=customXml/itemProps1.xml><?xml version="1.0" encoding="utf-8"?>
+<ds:datastoreItem xmlns:ds="http://schemas.openxmlformats.org/officeDocument/2006/customXml" ds:itemID="{7B6F2769-7194-4217-93D3-3AF3A4742282}">
+  <ds:schemaRefs>
+    <ds:schemaRef ds:uri="http://schemas.microsoft.com/office/2006/metadata/properties"/>
+    <ds:schemaRef ds:uri="http://schemas.microsoft.com/office/infopath/2007/PartnerControls"/>
+    <ds:schemaRef ds:uri="http://schemas.microsoft.com/sharepoint/v3/fields"/>
+  </ds:schemaRefs>
+</ds:datastoreItem>
+</file>
+
+<file path=customXml/itemProps2.xml><?xml version="1.0" encoding="utf-8"?>
 <ds:datastoreItem xmlns:ds="http://schemas.openxmlformats.org/officeDocument/2006/customXml" ds:itemID="{E4214858-785C-42F7-BE66-6D0E79395FC8}">
   <ds:schemaRefs>
     <ds:schemaRef ds:uri="http://schemas.microsoft.com/office/2006/metadata/contentType"/>
@@ -3873,16 +3732,6 @@
 </ds:datastoreItem>
 </file>
 
-<file path=customXml/itemProps2.xml><?xml version="1.0" encoding="utf-8"?>
-<ds:datastoreItem xmlns:ds="http://schemas.openxmlformats.org/officeDocument/2006/customXml" ds:itemID="{7B6F2769-7194-4217-93D3-3AF3A4742282}">
-  <ds:schemaRefs>
-    <ds:schemaRef ds:uri="http://schemas.microsoft.com/office/2006/metadata/properties"/>
-    <ds:schemaRef ds:uri="http://schemas.microsoft.com/office/infopath/2007/PartnerControls"/>
-    <ds:schemaRef ds:uri="http://schemas.microsoft.com/sharepoint/v3/fields"/>
-  </ds:schemaRefs>
-</ds:datastoreItem>
-</file>
-
 <file path=customXml/itemProps3.xml><?xml version="1.0" encoding="utf-8"?>
 <ds:datastoreItem xmlns:ds="http://schemas.openxmlformats.org/officeDocument/2006/customXml" ds:itemID="{87D2A1B0-FF3E-4009-940D-AED0EB70AA20}">
   <ds:schemaRefs>

--- a/Automating Workflows with the Box API.pptx
+++ b/Automating Workflows with the Box API.pptx
@@ -5,17 +5,18 @@
     <p:sldMasterId id="2147493455" r:id="rId4"/>
   </p:sldMasterIdLst>
   <p:notesMasterIdLst>
-    <p:notesMasterId r:id="rId13"/>
+    <p:notesMasterId r:id="rId14"/>
   </p:notesMasterIdLst>
   <p:sldIdLst>
     <p:sldId id="264" r:id="rId5"/>
     <p:sldId id="268" r:id="rId6"/>
     <p:sldId id="258" r:id="rId7"/>
-    <p:sldId id="266" r:id="rId8"/>
-    <p:sldId id="269" r:id="rId9"/>
-    <p:sldId id="267" r:id="rId10"/>
-    <p:sldId id="270" r:id="rId11"/>
-    <p:sldId id="271" r:id="rId12"/>
+    <p:sldId id="272" r:id="rId8"/>
+    <p:sldId id="266" r:id="rId9"/>
+    <p:sldId id="269" r:id="rId10"/>
+    <p:sldId id="267" r:id="rId11"/>
+    <p:sldId id="270" r:id="rId12"/>
+    <p:sldId id="271" r:id="rId13"/>
   </p:sldIdLst>
   <p:sldSz cx="9144000" cy="6858000" type="screen4x3"/>
   <p:notesSz cx="6858000" cy="9144000"/>
@@ -215,7 +216,7 @@
           <a:p>
             <a:fld id="{C693A576-B0B7-6B46-9F1E-AF030D2C5E10}" type="datetimeFigureOut">
               <a:rPr lang="en-US" smtClean="0"/>
-              <a:t>4/29/2019</a:t>
+              <a:t>4/30/2019</a:t>
             </a:fld>
             <a:endParaRPr lang="en-US"/>
           </a:p>
@@ -1312,7 +1313,7 @@
         <p:spPr>
           <a:xfrm>
             <a:off x="1250302" y="1464659"/>
-            <a:ext cx="5379098" cy="4514056"/>
+            <a:ext cx="5379098" cy="2872581"/>
           </a:xfrm>
           <a:prstGeom prst="rect">
             <a:avLst/>
@@ -1332,6 +1333,58 @@
               <a:buChar char="•"/>
             </a:pPr>
             <a:r>
+              <a:rPr lang="en-US" sz="2400" dirty="0">
+                <a:solidFill>
+                  <a:schemeClr val="accent1"/>
+                </a:solidFill>
+              </a:rPr>
+              <a:t>Tufts use case</a:t>
+            </a:r>
+          </a:p>
+          <a:p>
+            <a:pPr marL="742950" lvl="1" indent="-285750">
+              <a:lnSpc>
+                <a:spcPts val="3200"/>
+              </a:lnSpc>
+              <a:buFont typeface="Arial"/>
+              <a:buChar char="•"/>
+            </a:pPr>
+            <a:r>
+              <a:rPr lang="en-US" sz="1600" dirty="0"/>
+              <a:t>Send regular Analytics reports to teams</a:t>
+            </a:r>
+          </a:p>
+          <a:p>
+            <a:pPr marL="742950" lvl="1" indent="-285750">
+              <a:lnSpc>
+                <a:spcPts val="3200"/>
+              </a:lnSpc>
+              <a:buFont typeface="Arial"/>
+              <a:buChar char="•"/>
+            </a:pPr>
+            <a:r>
+              <a:rPr lang="en-US" sz="1600" dirty="0"/>
+              <a:t>Rotate, zip, and post log </a:t>
+            </a:r>
+            <a:r>
+              <a:rPr lang="en-US" sz="1600" dirty="0" smtClean="0"/>
+              <a:t>files</a:t>
+            </a:r>
+            <a:endParaRPr lang="en-US" sz="2400" dirty="0" smtClean="0">
+              <a:solidFill>
+                <a:schemeClr val="accent1"/>
+              </a:solidFill>
+            </a:endParaRPr>
+          </a:p>
+          <a:p>
+            <a:pPr marL="285750" indent="-285750">
+              <a:lnSpc>
+                <a:spcPts val="3200"/>
+              </a:lnSpc>
+              <a:buFont typeface="Arial"/>
+              <a:buChar char="•"/>
+            </a:pPr>
+            <a:r>
               <a:rPr lang="en-US" sz="2400" dirty="0" smtClean="0">
                 <a:solidFill>
                   <a:schemeClr val="accent1"/>
@@ -1384,105 +1437,6 @@
               <a:buFont typeface="Arial"/>
               <a:buChar char="•"/>
             </a:pPr>
-            <a:r>
-              <a:rPr lang="en-US" sz="2400" dirty="0" smtClean="0">
-                <a:solidFill>
-                  <a:schemeClr val="accent1"/>
-                </a:solidFill>
-              </a:rPr>
-              <a:t>Tufts </a:t>
-            </a:r>
-            <a:r>
-              <a:rPr lang="en-US" sz="2400" dirty="0">
-                <a:solidFill>
-                  <a:schemeClr val="accent1"/>
-                </a:solidFill>
-              </a:rPr>
-              <a:t>use case</a:t>
-            </a:r>
-          </a:p>
-          <a:p>
-            <a:pPr marL="742950" lvl="1" indent="-285750">
-              <a:lnSpc>
-                <a:spcPts val="3200"/>
-              </a:lnSpc>
-              <a:buFont typeface="Arial"/>
-              <a:buChar char="•"/>
-            </a:pPr>
-            <a:r>
-              <a:rPr lang="en-US" sz="1600" dirty="0" smtClean="0"/>
-              <a:t>Send regular Analytics reports to teams</a:t>
-            </a:r>
-          </a:p>
-          <a:p>
-            <a:pPr marL="742950" lvl="1" indent="-285750">
-              <a:lnSpc>
-                <a:spcPts val="3200"/>
-              </a:lnSpc>
-              <a:buFont typeface="Arial"/>
-              <a:buChar char="•"/>
-            </a:pPr>
-            <a:r>
-              <a:rPr lang="en-US" sz="1600" dirty="0" smtClean="0"/>
-              <a:t>Rotate, zip, and post log files</a:t>
-            </a:r>
-            <a:endParaRPr lang="en-US" sz="1600" dirty="0"/>
-          </a:p>
-          <a:p>
-            <a:pPr marL="285750" indent="-285750">
-              <a:lnSpc>
-                <a:spcPts val="3200"/>
-              </a:lnSpc>
-              <a:buFont typeface="Arial"/>
-              <a:buChar char="•"/>
-            </a:pPr>
-            <a:r>
-              <a:rPr lang="en-US" sz="2400" dirty="0">
-                <a:solidFill>
-                  <a:schemeClr val="accent1"/>
-                </a:solidFill>
-              </a:rPr>
-              <a:t>Benefits</a:t>
-            </a:r>
-          </a:p>
-          <a:p>
-            <a:pPr marL="742950" lvl="1" indent="-285750">
-              <a:lnSpc>
-                <a:spcPts val="3200"/>
-              </a:lnSpc>
-              <a:buFont typeface="Arial"/>
-              <a:buChar char="•"/>
-            </a:pPr>
-            <a:r>
-              <a:rPr lang="en-US" sz="1600" dirty="0" smtClean="0"/>
-              <a:t>Automate regular tasks</a:t>
-            </a:r>
-          </a:p>
-          <a:p>
-            <a:pPr marL="742950" lvl="1" indent="-285750">
-              <a:lnSpc>
-                <a:spcPts val="3200"/>
-              </a:lnSpc>
-              <a:buFont typeface="Arial"/>
-              <a:buChar char="•"/>
-            </a:pPr>
-            <a:r>
-              <a:rPr lang="en-US" sz="1600" dirty="0" smtClean="0"/>
-              <a:t>parsed reports available to teams immediately</a:t>
-            </a:r>
-          </a:p>
-          <a:p>
-            <a:pPr marL="742950" lvl="1" indent="-285750">
-              <a:lnSpc>
-                <a:spcPts val="3200"/>
-              </a:lnSpc>
-              <a:buFont typeface="Arial"/>
-              <a:buChar char="•"/>
-            </a:pPr>
-            <a:r>
-              <a:rPr lang="en-US" sz="1600" dirty="0" smtClean="0"/>
-              <a:t>Prevent log file from getting too big and improve application stability</a:t>
-            </a:r>
             <a:endParaRPr lang="en-US" sz="1600" dirty="0"/>
           </a:p>
         </p:txBody>
@@ -1496,7 +1450,7 @@
         <p:spPr>
           <a:xfrm>
             <a:off x="539751" y="406400"/>
-            <a:ext cx="3586303" cy="923330"/>
+            <a:ext cx="3586303" cy="646331"/>
           </a:xfrm>
           <a:prstGeom prst="rect">
             <a:avLst/>
@@ -1522,13 +1476,6 @@
                 <a:schemeClr val="bg1"/>
               </a:solidFill>
             </a:endParaRPr>
-          </a:p>
-          <a:p>
-            <a:r>
-              <a:rPr lang="en-US" b="1" dirty="0" smtClean="0"/>
-              <a:t>Use cases and benefits</a:t>
-            </a:r>
-            <a:endParaRPr lang="en-US" b="1" dirty="0"/>
           </a:p>
         </p:txBody>
       </p:sp>
@@ -1603,8 +1550,8 @@
         </p:nvSpPr>
         <p:spPr>
           <a:xfrm>
-            <a:off x="1250302" y="1774148"/>
-            <a:ext cx="5379098" cy="4068806"/>
+            <a:off x="1250302" y="1464659"/>
+            <a:ext cx="5379098" cy="4103688"/>
           </a:xfrm>
           <a:prstGeom prst="rect">
             <a:avLst/>
@@ -1624,20 +1571,59 @@
               <a:buChar char="•"/>
             </a:pPr>
             <a:r>
-              <a:rPr lang="en-US" sz="2000" dirty="0" smtClean="0">
+              <a:rPr lang="en-US" sz="2400" dirty="0" smtClean="0">
                 <a:solidFill>
                   <a:schemeClr val="accent1"/>
                 </a:solidFill>
               </a:rPr>
-              <a:t>Box</a:t>
-            </a:r>
-            <a:endParaRPr lang="en-US" sz="2000" dirty="0">
+              <a:t>Benefits</a:t>
+            </a:r>
+            <a:endParaRPr lang="en-US" sz="2400" dirty="0">
               <a:solidFill>
                 <a:schemeClr val="accent1"/>
               </a:solidFill>
             </a:endParaRPr>
           </a:p>
           <a:p>
+            <a:pPr marL="742950" lvl="1" indent="-285750">
+              <a:lnSpc>
+                <a:spcPts val="3200"/>
+              </a:lnSpc>
+              <a:buFont typeface="Arial"/>
+              <a:buChar char="•"/>
+            </a:pPr>
+            <a:r>
+              <a:rPr lang="en-US" sz="1600" dirty="0" smtClean="0"/>
+              <a:t>Automate regular tasks</a:t>
+            </a:r>
+          </a:p>
+          <a:p>
+            <a:pPr marL="742950" lvl="1" indent="-285750">
+              <a:lnSpc>
+                <a:spcPts val="3200"/>
+              </a:lnSpc>
+              <a:buFont typeface="Arial"/>
+              <a:buChar char="•"/>
+            </a:pPr>
+            <a:r>
+              <a:rPr lang="en-US" sz="1600" dirty="0" smtClean="0"/>
+              <a:t>parsed reports available to teams immediately</a:t>
+            </a:r>
+          </a:p>
+          <a:p>
+            <a:pPr marL="742950" lvl="1" indent="-285750">
+              <a:lnSpc>
+                <a:spcPts val="3200"/>
+              </a:lnSpc>
+              <a:buFont typeface="Arial"/>
+              <a:buChar char="•"/>
+            </a:pPr>
+            <a:r>
+              <a:rPr lang="en-US" sz="1600" dirty="0" smtClean="0"/>
+              <a:t>Prevent log file from getting too big and improve application stability</a:t>
+            </a:r>
+          </a:p>
+          <a:p>
             <a:pPr marL="285750" indent="-285750">
               <a:lnSpc>
                 <a:spcPts val="3200"/>
@@ -1646,116 +1632,12 @@
               <a:buChar char="•"/>
             </a:pPr>
             <a:r>
-              <a:rPr lang="en-US" sz="2000" dirty="0">
+              <a:rPr lang="en-US" sz="2400" dirty="0" smtClean="0">
                 <a:solidFill>
                   <a:schemeClr val="accent1"/>
                 </a:solidFill>
               </a:rPr>
-              <a:t>Shared Box folders</a:t>
-            </a:r>
-          </a:p>
-          <a:p>
-            <a:pPr marL="285750" indent="-285750">
-              <a:lnSpc>
-                <a:spcPts val="3200"/>
-              </a:lnSpc>
-              <a:buFont typeface="Arial"/>
-              <a:buChar char="•"/>
-            </a:pPr>
-            <a:r>
-              <a:rPr lang="en-US" sz="2000" dirty="0">
-                <a:solidFill>
-                  <a:schemeClr val="accent1"/>
-                </a:solidFill>
-              </a:rPr>
-              <a:t>Box administrator </a:t>
-            </a:r>
-            <a:r>
-              <a:rPr lang="en-US" sz="2000" dirty="0" smtClean="0">
-                <a:solidFill>
-                  <a:schemeClr val="accent1"/>
-                </a:solidFill>
-              </a:rPr>
-              <a:t>approval</a:t>
-            </a:r>
-          </a:p>
-          <a:p>
-            <a:pPr marL="285750" indent="-285750">
-              <a:lnSpc>
-                <a:spcPts val="3200"/>
-              </a:lnSpc>
-              <a:buFont typeface="Arial"/>
-              <a:buChar char="•"/>
-            </a:pPr>
-            <a:r>
-              <a:rPr lang="en-US" sz="2000" dirty="0" smtClean="0">
-                <a:solidFill>
-                  <a:schemeClr val="accent1"/>
-                </a:solidFill>
-              </a:rPr>
-              <a:t>Working with public/private keys</a:t>
-            </a:r>
-          </a:p>
-          <a:p>
-            <a:pPr marL="285750" indent="-285750">
-              <a:lnSpc>
-                <a:spcPts val="3200"/>
-              </a:lnSpc>
-              <a:buFont typeface="Arial"/>
-              <a:buChar char="•"/>
-            </a:pPr>
-            <a:r>
-              <a:rPr lang="en-US" sz="2000" dirty="0">
-                <a:solidFill>
-                  <a:schemeClr val="accent1"/>
-                </a:solidFill>
-              </a:rPr>
-              <a:t>Python</a:t>
-            </a:r>
-          </a:p>
-          <a:p>
-            <a:pPr marL="285750" indent="-285750">
-              <a:lnSpc>
-                <a:spcPts val="3200"/>
-              </a:lnSpc>
-              <a:buFont typeface="Arial"/>
-              <a:buChar char="•"/>
-            </a:pPr>
-            <a:r>
-              <a:rPr lang="en-US" sz="2000" dirty="0">
-                <a:latin typeface="Courier New" panose="02070309020205020404" pitchFamily="49" charset="0"/>
-                <a:cs typeface="Courier New" panose="02070309020205020404" pitchFamily="49" charset="0"/>
-              </a:rPr>
-              <a:t>pip install -r </a:t>
-            </a:r>
-            <a:r>
-              <a:rPr lang="en-US" sz="2000" dirty="0" smtClean="0">
-                <a:latin typeface="Courier New" panose="02070309020205020404" pitchFamily="49" charset="0"/>
-                <a:cs typeface="Courier New" panose="02070309020205020404" pitchFamily="49" charset="0"/>
-              </a:rPr>
-              <a:t>requirements.txt</a:t>
-            </a:r>
-            <a:endParaRPr lang="en-US" sz="2000" dirty="0">
-              <a:solidFill>
-                <a:schemeClr val="accent1"/>
-              </a:solidFill>
-            </a:endParaRPr>
-          </a:p>
-          <a:p>
-            <a:pPr marL="285750" indent="-285750">
-              <a:lnSpc>
-                <a:spcPts val="3200"/>
-              </a:lnSpc>
-              <a:buFont typeface="Arial"/>
-              <a:buChar char="•"/>
-            </a:pPr>
-            <a:r>
-              <a:rPr lang="en-US" sz="2000" dirty="0">
-                <a:solidFill>
-                  <a:schemeClr val="accent1"/>
-                </a:solidFill>
-              </a:rPr>
-              <a:t>Optional: Access or collaboration with server admins for:</a:t>
+              <a:t>Advantage over Scheduled Analytics Reports</a:t>
             </a:r>
           </a:p>
           <a:p>
@@ -1767,12 +1649,8 @@
               <a:buChar char="•"/>
             </a:pPr>
             <a:r>
-              <a:rPr lang="en-US" sz="2000" dirty="0">
-                <a:solidFill>
-                  <a:schemeClr val="accent1"/>
-                </a:solidFill>
-              </a:rPr>
-              <a:t>CRON job</a:t>
+              <a:rPr lang="en-US" sz="1600" dirty="0" smtClean="0"/>
+              <a:t>More Flexibility with scheduling</a:t>
             </a:r>
           </a:p>
           <a:p>
@@ -1784,13 +1662,23 @@
               <a:buChar char="•"/>
             </a:pPr>
             <a:r>
-              <a:rPr lang="en-US" sz="2000" dirty="0">
-                <a:solidFill>
-                  <a:schemeClr val="accent1"/>
-                </a:solidFill>
-              </a:rPr>
-              <a:t>shell script</a:t>
-            </a:r>
+              <a:rPr lang="en-US" sz="1600" dirty="0" smtClean="0"/>
+              <a:t>Parsing with Python</a:t>
+            </a:r>
+          </a:p>
+          <a:p>
+            <a:pPr marL="742950" lvl="1" indent="-285750">
+              <a:lnSpc>
+                <a:spcPts val="3200"/>
+              </a:lnSpc>
+              <a:buFont typeface="Arial"/>
+              <a:buChar char="•"/>
+            </a:pPr>
+            <a:r>
+              <a:rPr lang="en-US" sz="1600" dirty="0" smtClean="0"/>
+              <a:t>Sensitive data with Box </a:t>
+            </a:r>
+            <a:endParaRPr lang="en-US" sz="1600" dirty="0"/>
           </a:p>
         </p:txBody>
       </p:sp>
@@ -1803,7 +1691,7 @@
         <p:spPr>
           <a:xfrm>
             <a:off x="539751" y="406400"/>
-            <a:ext cx="2867901" cy="646331"/>
+            <a:ext cx="7903830" cy="646331"/>
           </a:xfrm>
           <a:prstGeom prst="rect">
             <a:avLst/>
@@ -1822,7 +1710,15 @@
                   <a:srgbClr val="2072AE"/>
                 </a:solidFill>
               </a:rPr>
-              <a:t>Requirements</a:t>
+              <a:t>Benefits and </a:t>
+            </a:r>
+            <a:r>
+              <a:rPr lang="en-US" sz="3600" b="1" dirty="0" smtClean="0">
+                <a:solidFill>
+                  <a:srgbClr val="2072AE"/>
+                </a:solidFill>
+              </a:rPr>
+              <a:t>API vs. Scheduled Analytics</a:t>
             </a:r>
             <a:endParaRPr lang="en-US" sz="3600" b="1" dirty="0" smtClean="0">
               <a:solidFill>
@@ -1835,7 +1731,7 @@
     </p:spTree>
     <p:extLst>
       <p:ext uri="{BB962C8B-B14F-4D97-AF65-F5344CB8AC3E}">
-        <p14:creationId xmlns:p14="http://schemas.microsoft.com/office/powerpoint/2010/main" val="3195382125"/>
+        <p14:creationId xmlns:p14="http://schemas.microsoft.com/office/powerpoint/2010/main" val="1550796039"/>
       </p:ext>
     </p:extLst>
   </p:cSld>
@@ -1904,7 +1800,7 @@
         <p:spPr>
           <a:xfrm>
             <a:off x="1250302" y="1774148"/>
-            <a:ext cx="5379098" cy="3282950"/>
+            <a:ext cx="5379098" cy="4068806"/>
           </a:xfrm>
           <a:prstGeom prst="rect">
             <a:avLst/>
@@ -1924,28 +1820,138 @@
               <a:buChar char="•"/>
             </a:pPr>
             <a:r>
-              <a:rPr lang="en-US" sz="2400" dirty="0" smtClean="0">
+              <a:rPr lang="en-US" sz="2000" dirty="0" smtClean="0">
                 <a:solidFill>
                   <a:schemeClr val="accent1"/>
                 </a:solidFill>
               </a:rPr>
-              <a:t>1</a:t>
-            </a:r>
-            <a:r>
-              <a:rPr lang="en-US" sz="2400" baseline="30000" dirty="0" smtClean="0">
+              <a:t>Box</a:t>
+            </a:r>
+            <a:endParaRPr lang="en-US" sz="2000" dirty="0">
+              <a:solidFill>
+                <a:schemeClr val="accent1"/>
+              </a:solidFill>
+            </a:endParaRPr>
+          </a:p>
+          <a:p>
+            <a:pPr marL="285750" indent="-285750">
+              <a:lnSpc>
+                <a:spcPts val="3200"/>
+              </a:lnSpc>
+              <a:buFont typeface="Arial"/>
+              <a:buChar char="•"/>
+            </a:pPr>
+            <a:r>
+              <a:rPr lang="en-US" sz="2000" dirty="0">
                 <a:solidFill>
                   <a:schemeClr val="accent1"/>
                 </a:solidFill>
               </a:rPr>
-              <a:t>st</a:t>
-            </a:r>
-            <a:r>
-              <a:rPr lang="en-US" sz="2400" dirty="0" smtClean="0">
+              <a:t>Shared Box folders</a:t>
+            </a:r>
+          </a:p>
+          <a:p>
+            <a:pPr marL="285750" indent="-285750">
+              <a:lnSpc>
+                <a:spcPts val="3200"/>
+              </a:lnSpc>
+              <a:buFont typeface="Arial"/>
+              <a:buChar char="•"/>
+            </a:pPr>
+            <a:r>
+              <a:rPr lang="en-US" sz="2000" dirty="0">
                 <a:solidFill>
                   <a:schemeClr val="accent1"/>
                 </a:solidFill>
               </a:rPr>
-              <a:t> Time</a:t>
+              <a:t>Box administrator </a:t>
+            </a:r>
+            <a:r>
+              <a:rPr lang="en-US" sz="2000" dirty="0" smtClean="0">
+                <a:solidFill>
+                  <a:schemeClr val="accent1"/>
+                </a:solidFill>
+              </a:rPr>
+              <a:t>approval</a:t>
+            </a:r>
+          </a:p>
+          <a:p>
+            <a:pPr marL="285750" indent="-285750">
+              <a:lnSpc>
+                <a:spcPts val="3200"/>
+              </a:lnSpc>
+              <a:buFont typeface="Arial"/>
+              <a:buChar char="•"/>
+            </a:pPr>
+            <a:r>
+              <a:rPr lang="en-US" sz="2000" dirty="0" smtClean="0">
+                <a:solidFill>
+                  <a:schemeClr val="accent1"/>
+                </a:solidFill>
+              </a:rPr>
+              <a:t>Working with public/private keys</a:t>
+            </a:r>
+          </a:p>
+          <a:p>
+            <a:pPr marL="285750" indent="-285750">
+              <a:lnSpc>
+                <a:spcPts val="3200"/>
+              </a:lnSpc>
+              <a:buFont typeface="Arial"/>
+              <a:buChar char="•"/>
+            </a:pPr>
+            <a:r>
+              <a:rPr lang="en-US" sz="2000" dirty="0">
+                <a:solidFill>
+                  <a:schemeClr val="accent1"/>
+                </a:solidFill>
+              </a:rPr>
+              <a:t>Python</a:t>
+            </a:r>
+          </a:p>
+          <a:p>
+            <a:pPr marL="285750" indent="-285750">
+              <a:lnSpc>
+                <a:spcPts val="3200"/>
+              </a:lnSpc>
+              <a:buFont typeface="Arial"/>
+              <a:buChar char="•"/>
+            </a:pPr>
+            <a:r>
+              <a:rPr lang="en-US" sz="2000" dirty="0">
+                <a:latin typeface="Courier New" panose="02070309020205020404" pitchFamily="49" charset="0"/>
+                <a:cs typeface="Courier New" panose="02070309020205020404" pitchFamily="49" charset="0"/>
+              </a:rPr>
+              <a:t>pip install -r </a:t>
+            </a:r>
+            <a:r>
+              <a:rPr lang="en-US" sz="2000" dirty="0" smtClean="0">
+                <a:latin typeface="Courier New" panose="02070309020205020404" pitchFamily="49" charset="0"/>
+                <a:cs typeface="Courier New" panose="02070309020205020404" pitchFamily="49" charset="0"/>
+              </a:rPr>
+              <a:t>requirements.txt</a:t>
+            </a:r>
+            <a:endParaRPr lang="en-US" sz="2000" dirty="0">
+              <a:solidFill>
+                <a:schemeClr val="accent1"/>
+              </a:solidFill>
+            </a:endParaRPr>
+          </a:p>
+          <a:p>
+            <a:pPr marL="285750" indent="-285750">
+              <a:lnSpc>
+                <a:spcPts val="3200"/>
+              </a:lnSpc>
+              <a:buFont typeface="Arial"/>
+              <a:buChar char="•"/>
+            </a:pPr>
+            <a:r>
+              <a:rPr lang="en-US" sz="2000" dirty="0">
+                <a:solidFill>
+                  <a:schemeClr val="accent1"/>
+                </a:solidFill>
+              </a:rPr>
+              <a:t>Optional: Access or collaboration with server admins for:</a:t>
             </a:r>
           </a:p>
           <a:p>
@@ -1957,16 +1963,13 @@
               <a:buChar char="•"/>
             </a:pPr>
             <a:r>
-              <a:rPr lang="en-US" sz="2000" dirty="0" smtClean="0"/>
-              <a:t>High security </a:t>
-            </a:r>
-            <a:r>
-              <a:rPr lang="en-US" sz="2000" dirty="0" smtClean="0">
-                <a:sym typeface="Wingdings" panose="05000000000000000000" pitchFamily="2" charset="2"/>
-              </a:rPr>
-              <a:t> complicated setup</a:t>
-            </a:r>
-            <a:endParaRPr lang="en-US" sz="2000" dirty="0" smtClean="0"/>
+              <a:rPr lang="en-US" sz="2000" dirty="0">
+                <a:solidFill>
+                  <a:schemeClr val="accent1"/>
+                </a:solidFill>
+              </a:rPr>
+              <a:t>CRON job</a:t>
+            </a:r>
           </a:p>
           <a:p>
             <a:pPr marL="742950" lvl="1" indent="-285750">
@@ -1977,79 +1980,13 @@
               <a:buChar char="•"/>
             </a:pPr>
             <a:r>
-              <a:rPr lang="en-US" sz="2000" dirty="0" smtClean="0"/>
-              <a:t>Incomplete documentation</a:t>
-            </a:r>
-          </a:p>
-          <a:p>
-            <a:pPr marL="742950" lvl="1" indent="-285750">
-              <a:lnSpc>
-                <a:spcPts val="3200"/>
-              </a:lnSpc>
-              <a:buFont typeface="Arial"/>
-              <a:buChar char="•"/>
-            </a:pPr>
-            <a:r>
-              <a:rPr lang="en-US" sz="2000" dirty="0" smtClean="0"/>
-              <a:t>Trial and error in setup</a:t>
-            </a:r>
-          </a:p>
-          <a:p>
-            <a:pPr marL="742950" lvl="1" indent="-285750">
-              <a:lnSpc>
-                <a:spcPts val="3200"/>
-              </a:lnSpc>
-              <a:buFont typeface="Arial"/>
-              <a:buChar char="•"/>
-            </a:pPr>
-            <a:r>
-              <a:rPr lang="en-US" sz="2000" dirty="0" smtClean="0"/>
-              <a:t>Collaboration with other IT departments</a:t>
-            </a:r>
-          </a:p>
-          <a:p>
-            <a:pPr marL="285750" indent="-285750">
-              <a:lnSpc>
-                <a:spcPts val="3200"/>
-              </a:lnSpc>
-              <a:buFont typeface="Arial"/>
-              <a:buChar char="•"/>
-            </a:pPr>
-            <a:r>
-              <a:rPr lang="en-US" sz="2400" dirty="0" smtClean="0">
+              <a:rPr lang="en-US" sz="2000" dirty="0">
                 <a:solidFill>
                   <a:schemeClr val="accent1"/>
                 </a:solidFill>
               </a:rPr>
-              <a:t>Now</a:t>
-            </a:r>
-          </a:p>
-          <a:p>
-            <a:pPr marL="742950" lvl="1" indent="-285750">
-              <a:lnSpc>
-                <a:spcPts val="3200"/>
-              </a:lnSpc>
-              <a:buFont typeface="Arial"/>
-              <a:buChar char="•"/>
-            </a:pPr>
-            <a:r>
-              <a:rPr lang="en-US" sz="2000" dirty="0" smtClean="0"/>
-              <a:t>Defined process</a:t>
-            </a:r>
-          </a:p>
-          <a:p>
-            <a:pPr marL="742950" lvl="1" indent="-285750">
-              <a:lnSpc>
-                <a:spcPts val="3200"/>
-              </a:lnSpc>
-              <a:buFont typeface="Arial"/>
-              <a:buChar char="•"/>
-            </a:pPr>
-            <a:r>
-              <a:rPr lang="en-US" sz="2000" dirty="0" smtClean="0"/>
-              <a:t>Handout</a:t>
-            </a:r>
-            <a:endParaRPr lang="en-US" sz="2000" dirty="0"/>
+              <a:t>shell script</a:t>
+            </a:r>
           </a:p>
         </p:txBody>
       </p:sp>
@@ -2062,7 +1999,7 @@
         <p:spPr>
           <a:xfrm>
             <a:off x="539751" y="406400"/>
-            <a:ext cx="2244397" cy="646331"/>
+            <a:ext cx="2867901" cy="646331"/>
           </a:xfrm>
           <a:prstGeom prst="rect">
             <a:avLst/>
@@ -2081,7 +2018,7 @@
                   <a:srgbClr val="2072AE"/>
                 </a:solidFill>
               </a:rPr>
-              <a:t>Challenges</a:t>
+              <a:t>Requirements</a:t>
             </a:r>
             <a:endParaRPr lang="en-US" sz="3600" b="1" dirty="0" smtClean="0">
               <a:solidFill>
@@ -2094,7 +2031,7 @@
     </p:spTree>
     <p:extLst>
       <p:ext uri="{BB962C8B-B14F-4D97-AF65-F5344CB8AC3E}">
-        <p14:creationId xmlns:p14="http://schemas.microsoft.com/office/powerpoint/2010/main" val="1120656855"/>
+        <p14:creationId xmlns:p14="http://schemas.microsoft.com/office/powerpoint/2010/main" val="3195382125"/>
       </p:ext>
     </p:extLst>
   </p:cSld>
@@ -2163,7 +2100,7 @@
         <p:spPr>
           <a:xfrm>
             <a:off x="1250302" y="1774148"/>
-            <a:ext cx="5379098" cy="3693319"/>
+            <a:ext cx="5379098" cy="3282950"/>
           </a:xfrm>
           <a:prstGeom prst="rect">
             <a:avLst/>
@@ -2188,7 +2125,82 @@
                   <a:schemeClr val="accent1"/>
                 </a:solidFill>
               </a:rPr>
-              <a:t>Create an API app in Box developer’s console</a:t>
+              <a:t>1</a:t>
+            </a:r>
+            <a:r>
+              <a:rPr lang="en-US" sz="2400" baseline="30000" dirty="0" smtClean="0">
+                <a:solidFill>
+                  <a:schemeClr val="accent1"/>
+                </a:solidFill>
+              </a:rPr>
+              <a:t>st</a:t>
+            </a:r>
+            <a:r>
+              <a:rPr lang="en-US" sz="2400" dirty="0" smtClean="0">
+                <a:solidFill>
+                  <a:schemeClr val="accent1"/>
+                </a:solidFill>
+              </a:rPr>
+              <a:t> Time</a:t>
+            </a:r>
+          </a:p>
+          <a:p>
+            <a:pPr marL="742950" lvl="1" indent="-285750">
+              <a:lnSpc>
+                <a:spcPts val="3200"/>
+              </a:lnSpc>
+              <a:buFont typeface="Arial"/>
+              <a:buChar char="•"/>
+            </a:pPr>
+            <a:r>
+              <a:rPr lang="en-US" sz="2000" dirty="0" smtClean="0"/>
+              <a:t>High security </a:t>
+            </a:r>
+            <a:r>
+              <a:rPr lang="en-US" sz="2000" dirty="0" smtClean="0">
+                <a:sym typeface="Wingdings" panose="05000000000000000000" pitchFamily="2" charset="2"/>
+              </a:rPr>
+              <a:t> complicated setup</a:t>
+            </a:r>
+            <a:endParaRPr lang="en-US" sz="2000" dirty="0" smtClean="0"/>
+          </a:p>
+          <a:p>
+            <a:pPr marL="742950" lvl="1" indent="-285750">
+              <a:lnSpc>
+                <a:spcPts val="3200"/>
+              </a:lnSpc>
+              <a:buFont typeface="Arial"/>
+              <a:buChar char="•"/>
+            </a:pPr>
+            <a:r>
+              <a:rPr lang="en-US" sz="2000" dirty="0" smtClean="0"/>
+              <a:t>Incomplete documentation</a:t>
+            </a:r>
+          </a:p>
+          <a:p>
+            <a:pPr marL="742950" lvl="1" indent="-285750">
+              <a:lnSpc>
+                <a:spcPts val="3200"/>
+              </a:lnSpc>
+              <a:buFont typeface="Arial"/>
+              <a:buChar char="•"/>
+            </a:pPr>
+            <a:r>
+              <a:rPr lang="en-US" sz="2000" dirty="0" smtClean="0"/>
+              <a:t>Trial and error in setup</a:t>
+            </a:r>
+          </a:p>
+          <a:p>
+            <a:pPr marL="742950" lvl="1" indent="-285750">
+              <a:lnSpc>
+                <a:spcPts val="3200"/>
+              </a:lnSpc>
+              <a:buFont typeface="Arial"/>
+              <a:buChar char="•"/>
+            </a:pPr>
+            <a:r>
+              <a:rPr lang="en-US" sz="2000" dirty="0" smtClean="0"/>
+              <a:t>Collaboration with other IT departments</a:t>
             </a:r>
           </a:p>
           <a:p>
@@ -2205,89 +2217,35 @@
                   <a:schemeClr val="accent1"/>
                 </a:solidFill>
               </a:rPr>
-              <a:t>Have Box admin authorize app</a:t>
-            </a:r>
-          </a:p>
-          <a:p>
-            <a:pPr marL="285750" indent="-285750">
-              <a:lnSpc>
-                <a:spcPts val="3200"/>
-              </a:lnSpc>
-              <a:buFont typeface="Arial"/>
-              <a:buChar char="•"/>
-            </a:pPr>
-            <a:r>
-              <a:rPr lang="en-US" sz="2400" dirty="0" smtClean="0">
-                <a:solidFill>
-                  <a:schemeClr val="accent1"/>
-                </a:solidFill>
-              </a:rPr>
-              <a:t>Create app user for this app via API</a:t>
-            </a:r>
-          </a:p>
-          <a:p>
-            <a:pPr marL="285750" indent="-285750">
-              <a:lnSpc>
-                <a:spcPts val="3200"/>
-              </a:lnSpc>
-              <a:buFont typeface="Arial"/>
-              <a:buChar char="•"/>
-            </a:pPr>
-            <a:r>
-              <a:rPr lang="en-US" sz="2400" dirty="0" smtClean="0">
-                <a:solidFill>
-                  <a:schemeClr val="accent1"/>
-                </a:solidFill>
-              </a:rPr>
-              <a:t>add user as collaborator in target folder</a:t>
-            </a:r>
-          </a:p>
-          <a:p>
-            <a:pPr marL="285750" indent="-285750">
-              <a:lnSpc>
-                <a:spcPts val="3200"/>
-              </a:lnSpc>
-              <a:buFont typeface="Arial"/>
-              <a:buChar char="•"/>
-            </a:pPr>
-            <a:r>
-              <a:rPr lang="en-US" sz="2400" dirty="0" smtClean="0">
-                <a:solidFill>
-                  <a:schemeClr val="accent1"/>
-                </a:solidFill>
-              </a:rPr>
-              <a:t>Use app user to write to shared folder via API</a:t>
-            </a:r>
-          </a:p>
-          <a:p>
-            <a:pPr marL="285750" indent="-285750">
-              <a:lnSpc>
-                <a:spcPts val="3200"/>
-              </a:lnSpc>
-              <a:buFont typeface="Arial"/>
-              <a:buChar char="•"/>
-            </a:pPr>
-            <a:r>
-              <a:rPr lang="en-US" sz="2400" b="1" dirty="0" smtClean="0">
-                <a:solidFill>
-                  <a:schemeClr val="accent1"/>
-                </a:solidFill>
-              </a:rPr>
-              <a:t>Optional: </a:t>
-            </a:r>
-            <a:r>
-              <a:rPr lang="en-US" sz="2400" dirty="0" smtClean="0">
-                <a:solidFill>
-                  <a:schemeClr val="accent1"/>
-                </a:solidFill>
-              </a:rPr>
-              <a:t>wrap in shell script and invoke with CRON job</a:t>
-            </a:r>
-            <a:endParaRPr lang="en-US" sz="2400" b="1" dirty="0">
-              <a:solidFill>
-                <a:schemeClr val="accent1"/>
-              </a:solidFill>
-            </a:endParaRPr>
+              <a:t>Now</a:t>
+            </a:r>
+          </a:p>
+          <a:p>
+            <a:pPr marL="742950" lvl="1" indent="-285750">
+              <a:lnSpc>
+                <a:spcPts val="3200"/>
+              </a:lnSpc>
+              <a:buFont typeface="Arial"/>
+              <a:buChar char="•"/>
+            </a:pPr>
+            <a:r>
+              <a:rPr lang="en-US" sz="2000" dirty="0" smtClean="0"/>
+              <a:t>Defined process</a:t>
+            </a:r>
+          </a:p>
+          <a:p>
+            <a:pPr marL="742950" lvl="1" indent="-285750">
+              <a:lnSpc>
+                <a:spcPts val="3200"/>
+              </a:lnSpc>
+              <a:buFont typeface="Arial"/>
+              <a:buChar char="•"/>
+            </a:pPr>
+            <a:r>
+              <a:rPr lang="en-US" sz="2000" dirty="0" smtClean="0"/>
+              <a:t>Handout</a:t>
+            </a:r>
+            <a:endParaRPr lang="en-US" sz="2000" dirty="0"/>
           </a:p>
         </p:txBody>
       </p:sp>
@@ -2300,7 +2258,7 @@
         <p:spPr>
           <a:xfrm>
             <a:off x="539751" y="406400"/>
-            <a:ext cx="2969531" cy="923330"/>
+            <a:ext cx="2244397" cy="646331"/>
           </a:xfrm>
           <a:prstGeom prst="rect">
             <a:avLst/>
@@ -2319,7 +2277,7 @@
                   <a:srgbClr val="2072AE"/>
                 </a:solidFill>
               </a:rPr>
-              <a:t>Method</a:t>
+              <a:t>Challenges</a:t>
             </a:r>
             <a:endParaRPr lang="en-US" sz="3600" b="1" dirty="0" smtClean="0">
               <a:solidFill>
@@ -2327,19 +2285,12 @@
               </a:solidFill>
             </a:endParaRPr>
           </a:p>
-          <a:p>
-            <a:r>
-              <a:rPr lang="en-US" b="1" dirty="0" smtClean="0"/>
-              <a:t>Set up, validate, and approve</a:t>
-            </a:r>
-            <a:endParaRPr lang="en-US" b="1" dirty="0"/>
-          </a:p>
         </p:txBody>
       </p:sp>
     </p:spTree>
     <p:extLst>
       <p:ext uri="{BB962C8B-B14F-4D97-AF65-F5344CB8AC3E}">
-        <p14:creationId xmlns:p14="http://schemas.microsoft.com/office/powerpoint/2010/main" val="4191931753"/>
+        <p14:creationId xmlns:p14="http://schemas.microsoft.com/office/powerpoint/2010/main" val="1120656855"/>
       </p:ext>
     </p:extLst>
   </p:cSld>
@@ -2408,7 +2359,7 @@
         <p:spPr>
           <a:xfrm>
             <a:off x="1250302" y="1774148"/>
-            <a:ext cx="5379098" cy="3671967"/>
+            <a:ext cx="5379098" cy="3693319"/>
           </a:xfrm>
           <a:prstGeom prst="rect">
             <a:avLst/>
@@ -2428,12 +2379,12 @@
               <a:buChar char="•"/>
             </a:pPr>
             <a:r>
-              <a:rPr lang="en-US" sz="2000" dirty="0" smtClean="0">
+              <a:rPr lang="en-US" sz="2400" dirty="0" smtClean="0">
                 <a:solidFill>
                   <a:schemeClr val="accent1"/>
                 </a:solidFill>
               </a:rPr>
-              <a:t>Regular statistical reports to Box, e.g. ACRL</a:t>
+              <a:t>Create an API app in Box developer’s console</a:t>
             </a:r>
           </a:p>
           <a:p>
@@ -2445,135 +2396,90 @@
               <a:buChar char="•"/>
             </a:pPr>
             <a:r>
-              <a:rPr lang="en-US" sz="2000" dirty="0" smtClean="0">
+              <a:rPr lang="en-US" sz="2400" dirty="0" smtClean="0">
                 <a:solidFill>
                   <a:schemeClr val="accent1"/>
                 </a:solidFill>
               </a:rPr>
-              <a:t>Reports for </a:t>
-            </a:r>
-            <a:r>
-              <a:rPr lang="en-US" sz="2000" dirty="0" err="1" smtClean="0">
+              <a:t>Have Box admin authorize app</a:t>
+            </a:r>
+          </a:p>
+          <a:p>
+            <a:pPr marL="285750" indent="-285750">
+              <a:lnSpc>
+                <a:spcPts val="3200"/>
+              </a:lnSpc>
+              <a:buFont typeface="Arial"/>
+              <a:buChar char="•"/>
+            </a:pPr>
+            <a:r>
+              <a:rPr lang="en-US" sz="2400" dirty="0" smtClean="0">
                 <a:solidFill>
                   <a:schemeClr val="accent1"/>
                 </a:solidFill>
               </a:rPr>
-              <a:t>circ</a:t>
-            </a:r>
-            <a:r>
-              <a:rPr lang="en-US" sz="2000" dirty="0" smtClean="0">
+              <a:t>Create app user for this app via API</a:t>
+            </a:r>
+          </a:p>
+          <a:p>
+            <a:pPr marL="285750" indent="-285750">
+              <a:lnSpc>
+                <a:spcPts val="3200"/>
+              </a:lnSpc>
+              <a:buFont typeface="Arial"/>
+              <a:buChar char="•"/>
+            </a:pPr>
+            <a:r>
+              <a:rPr lang="en-US" sz="2400" dirty="0" smtClean="0">
                 <a:solidFill>
                   <a:schemeClr val="accent1"/>
                 </a:solidFill>
               </a:rPr>
-              <a:t> </a:t>
-            </a:r>
-            <a:r>
-              <a:rPr lang="en-US" sz="2000" dirty="0" err="1" smtClean="0">
+              <a:t>add user as collaborator in target folder</a:t>
+            </a:r>
+          </a:p>
+          <a:p>
+            <a:pPr marL="285750" indent="-285750">
+              <a:lnSpc>
+                <a:spcPts val="3200"/>
+              </a:lnSpc>
+              <a:buFont typeface="Arial"/>
+              <a:buChar char="•"/>
+            </a:pPr>
+            <a:r>
+              <a:rPr lang="en-US" sz="2400" dirty="0" smtClean="0">
                 <a:solidFill>
                   <a:schemeClr val="accent1"/>
                 </a:solidFill>
               </a:rPr>
-              <a:t>dept</a:t>
-            </a:r>
-            <a:r>
-              <a:rPr lang="en-US" sz="2000" dirty="0" smtClean="0">
+              <a:t>Use app user to write to shared folder via API</a:t>
+            </a:r>
+          </a:p>
+          <a:p>
+            <a:pPr marL="285750" indent="-285750">
+              <a:lnSpc>
+                <a:spcPts val="3200"/>
+              </a:lnSpc>
+              <a:buFont typeface="Arial"/>
+              <a:buChar char="•"/>
+            </a:pPr>
+            <a:r>
+              <a:rPr lang="en-US" sz="2400" b="1" dirty="0" smtClean="0">
                 <a:solidFill>
                   <a:schemeClr val="accent1"/>
                 </a:solidFill>
               </a:rPr>
-              <a:t> managers to check student work role expiry dates</a:t>
-            </a:r>
-          </a:p>
-          <a:p>
-            <a:pPr marL="742950" lvl="1" indent="-285750">
-              <a:lnSpc>
-                <a:spcPts val="3200"/>
-              </a:lnSpc>
-              <a:buFont typeface="Arial"/>
-              <a:buChar char="•"/>
-            </a:pPr>
-            <a:r>
-              <a:rPr lang="en-US" sz="2000" dirty="0" smtClean="0">
+              <a:t>Optional: </a:t>
+            </a:r>
+            <a:r>
+              <a:rPr lang="en-US" sz="2400" dirty="0" smtClean="0">
                 <a:solidFill>
                   <a:schemeClr val="accent1"/>
                 </a:solidFill>
               </a:rPr>
-              <a:t>More flexible scheduling with CRON that with Scheduled Reports</a:t>
-            </a:r>
-          </a:p>
-          <a:p>
-            <a:pPr marL="285750" indent="-285750">
-              <a:lnSpc>
-                <a:spcPts val="3200"/>
-              </a:lnSpc>
-              <a:buFont typeface="Arial"/>
-              <a:buChar char="•"/>
-            </a:pPr>
-            <a:r>
-              <a:rPr lang="en-US" sz="2000" dirty="0" smtClean="0">
-                <a:solidFill>
-                  <a:schemeClr val="accent1"/>
-                </a:solidFill>
-              </a:rPr>
-              <a:t>Use </a:t>
-            </a:r>
-            <a:r>
-              <a:rPr lang="en-US" sz="2000" dirty="0" err="1" smtClean="0">
-                <a:solidFill>
-                  <a:schemeClr val="accent1"/>
-                </a:solidFill>
-              </a:rPr>
-              <a:t>webhooks</a:t>
-            </a:r>
-            <a:r>
-              <a:rPr lang="en-US" sz="2000" dirty="0" smtClean="0">
-                <a:solidFill>
-                  <a:schemeClr val="accent1"/>
-                </a:solidFill>
-              </a:rPr>
-              <a:t> to trigger report editing inside Box when underlying Alma data changes</a:t>
-            </a:r>
-          </a:p>
-          <a:p>
-            <a:pPr marL="285750" indent="-285750">
-              <a:lnSpc>
-                <a:spcPts val="3200"/>
-              </a:lnSpc>
-              <a:buFont typeface="Arial"/>
-              <a:buChar char="•"/>
-            </a:pPr>
-            <a:r>
-              <a:rPr lang="en-US" sz="2000" dirty="0">
-                <a:solidFill>
-                  <a:schemeClr val="accent1"/>
-                </a:solidFill>
-              </a:rPr>
-              <a:t>Pull data from external </a:t>
-            </a:r>
-            <a:r>
-              <a:rPr lang="en-US" sz="2000" dirty="0" smtClean="0">
-                <a:solidFill>
-                  <a:schemeClr val="accent1"/>
-                </a:solidFill>
-              </a:rPr>
-              <a:t>sources and post to Box</a:t>
-            </a:r>
-            <a:endParaRPr lang="en-US" sz="2000" dirty="0">
-              <a:solidFill>
-                <a:schemeClr val="accent1"/>
-              </a:solidFill>
-            </a:endParaRPr>
-          </a:p>
-          <a:p>
-            <a:pPr marL="285750" indent="-285750">
-              <a:lnSpc>
-                <a:spcPts val="3200"/>
-              </a:lnSpc>
-              <a:buFont typeface="Arial"/>
-              <a:buChar char="•"/>
-            </a:pPr>
-            <a:endParaRPr lang="en-US" sz="2400" dirty="0" smtClean="0">
+              <a:t>wrap in shell script and invoke with CRON job</a:t>
+            </a:r>
+            <a:endParaRPr lang="en-US" sz="2400" b="1" dirty="0">
               <a:solidFill>
                 <a:schemeClr val="accent1"/>
               </a:solidFill>
@@ -2590,7 +2496,7 @@
         <p:spPr>
           <a:xfrm>
             <a:off x="539751" y="406400"/>
-            <a:ext cx="2611228" cy="646331"/>
+            <a:ext cx="2969531" cy="923330"/>
           </a:xfrm>
           <a:prstGeom prst="rect">
             <a:avLst/>
@@ -2609,7 +2515,7 @@
                   <a:srgbClr val="2072AE"/>
                 </a:solidFill>
               </a:rPr>
-              <a:t>Future uses?</a:t>
+              <a:t>Method</a:t>
             </a:r>
             <a:endParaRPr lang="en-US" sz="3600" b="1" dirty="0" smtClean="0">
               <a:solidFill>
@@ -2617,12 +2523,19 @@
               </a:solidFill>
             </a:endParaRPr>
           </a:p>
+          <a:p>
+            <a:r>
+              <a:rPr lang="en-US" b="1" dirty="0" smtClean="0"/>
+              <a:t>Set up, validate, and approve</a:t>
+            </a:r>
+            <a:endParaRPr lang="en-US" b="1" dirty="0"/>
+          </a:p>
         </p:txBody>
       </p:sp>
     </p:spTree>
     <p:extLst>
       <p:ext uri="{BB962C8B-B14F-4D97-AF65-F5344CB8AC3E}">
-        <p14:creationId xmlns:p14="http://schemas.microsoft.com/office/powerpoint/2010/main" val="842086884"/>
+        <p14:creationId xmlns:p14="http://schemas.microsoft.com/office/powerpoint/2010/main" val="4191931753"/>
       </p:ext>
     </p:extLst>
   </p:cSld>
@@ -2691,6 +2604,289 @@
         <p:spPr>
           <a:xfrm>
             <a:off x="1250302" y="1774148"/>
+            <a:ext cx="5379098" cy="3671967"/>
+          </a:xfrm>
+          <a:prstGeom prst="rect">
+            <a:avLst/>
+          </a:prstGeom>
+        </p:spPr>
+        <p:txBody>
+          <a:bodyPr wrap="square" lIns="0" tIns="0" rIns="0" bIns="0">
+            <a:spAutoFit/>
+          </a:bodyPr>
+          <a:lstStyle/>
+          <a:p>
+            <a:pPr marL="285750" indent="-285750">
+              <a:lnSpc>
+                <a:spcPts val="3200"/>
+              </a:lnSpc>
+              <a:buFont typeface="Arial"/>
+              <a:buChar char="•"/>
+            </a:pPr>
+            <a:r>
+              <a:rPr lang="en-US" sz="2000" dirty="0" smtClean="0">
+                <a:solidFill>
+                  <a:schemeClr val="accent1"/>
+                </a:solidFill>
+              </a:rPr>
+              <a:t>Regular statistical reports to Box, e.g. ACRL</a:t>
+            </a:r>
+          </a:p>
+          <a:p>
+            <a:pPr marL="285750" indent="-285750">
+              <a:lnSpc>
+                <a:spcPts val="3200"/>
+              </a:lnSpc>
+              <a:buFont typeface="Arial"/>
+              <a:buChar char="•"/>
+            </a:pPr>
+            <a:r>
+              <a:rPr lang="en-US" sz="2000" dirty="0" smtClean="0">
+                <a:solidFill>
+                  <a:schemeClr val="accent1"/>
+                </a:solidFill>
+              </a:rPr>
+              <a:t>Reports for </a:t>
+            </a:r>
+            <a:r>
+              <a:rPr lang="en-US" sz="2000" dirty="0" err="1" smtClean="0">
+                <a:solidFill>
+                  <a:schemeClr val="accent1"/>
+                </a:solidFill>
+              </a:rPr>
+              <a:t>circ</a:t>
+            </a:r>
+            <a:r>
+              <a:rPr lang="en-US" sz="2000" dirty="0" smtClean="0">
+                <a:solidFill>
+                  <a:schemeClr val="accent1"/>
+                </a:solidFill>
+              </a:rPr>
+              <a:t> </a:t>
+            </a:r>
+            <a:r>
+              <a:rPr lang="en-US" sz="2000" dirty="0" err="1" smtClean="0">
+                <a:solidFill>
+                  <a:schemeClr val="accent1"/>
+                </a:solidFill>
+              </a:rPr>
+              <a:t>dept</a:t>
+            </a:r>
+            <a:r>
+              <a:rPr lang="en-US" sz="2000" dirty="0" smtClean="0">
+                <a:solidFill>
+                  <a:schemeClr val="accent1"/>
+                </a:solidFill>
+              </a:rPr>
+              <a:t> managers to check student work role expiry dates</a:t>
+            </a:r>
+          </a:p>
+          <a:p>
+            <a:pPr marL="742950" lvl="1" indent="-285750">
+              <a:lnSpc>
+                <a:spcPts val="3200"/>
+              </a:lnSpc>
+              <a:buFont typeface="Arial"/>
+              <a:buChar char="•"/>
+            </a:pPr>
+            <a:r>
+              <a:rPr lang="en-US" sz="2000" dirty="0" smtClean="0">
+                <a:solidFill>
+                  <a:schemeClr val="accent1"/>
+                </a:solidFill>
+              </a:rPr>
+              <a:t>More flexible scheduling with CRON that with Scheduled Reports</a:t>
+            </a:r>
+          </a:p>
+          <a:p>
+            <a:pPr marL="285750" indent="-285750">
+              <a:lnSpc>
+                <a:spcPts val="3200"/>
+              </a:lnSpc>
+              <a:buFont typeface="Arial"/>
+              <a:buChar char="•"/>
+            </a:pPr>
+            <a:r>
+              <a:rPr lang="en-US" sz="2000" dirty="0" smtClean="0">
+                <a:solidFill>
+                  <a:schemeClr val="accent1"/>
+                </a:solidFill>
+              </a:rPr>
+              <a:t>Use </a:t>
+            </a:r>
+            <a:r>
+              <a:rPr lang="en-US" sz="2000" dirty="0" err="1" smtClean="0">
+                <a:solidFill>
+                  <a:schemeClr val="accent1"/>
+                </a:solidFill>
+              </a:rPr>
+              <a:t>webhooks</a:t>
+            </a:r>
+            <a:r>
+              <a:rPr lang="en-US" sz="2000" dirty="0" smtClean="0">
+                <a:solidFill>
+                  <a:schemeClr val="accent1"/>
+                </a:solidFill>
+              </a:rPr>
+              <a:t> to trigger report editing inside Box when underlying Alma data changes</a:t>
+            </a:r>
+          </a:p>
+          <a:p>
+            <a:pPr marL="285750" indent="-285750">
+              <a:lnSpc>
+                <a:spcPts val="3200"/>
+              </a:lnSpc>
+              <a:buFont typeface="Arial"/>
+              <a:buChar char="•"/>
+            </a:pPr>
+            <a:r>
+              <a:rPr lang="en-US" sz="2000" dirty="0">
+                <a:solidFill>
+                  <a:schemeClr val="accent1"/>
+                </a:solidFill>
+              </a:rPr>
+              <a:t>Pull data from external </a:t>
+            </a:r>
+            <a:r>
+              <a:rPr lang="en-US" sz="2000" dirty="0" smtClean="0">
+                <a:solidFill>
+                  <a:schemeClr val="accent1"/>
+                </a:solidFill>
+              </a:rPr>
+              <a:t>sources and post to Box</a:t>
+            </a:r>
+            <a:endParaRPr lang="en-US" sz="2000" dirty="0">
+              <a:solidFill>
+                <a:schemeClr val="accent1"/>
+              </a:solidFill>
+            </a:endParaRPr>
+          </a:p>
+          <a:p>
+            <a:pPr marL="285750" indent="-285750">
+              <a:lnSpc>
+                <a:spcPts val="3200"/>
+              </a:lnSpc>
+              <a:buFont typeface="Arial"/>
+              <a:buChar char="•"/>
+            </a:pPr>
+            <a:endParaRPr lang="en-US" sz="2400" dirty="0" smtClean="0">
+              <a:solidFill>
+                <a:schemeClr val="accent1"/>
+              </a:solidFill>
+            </a:endParaRPr>
+          </a:p>
+        </p:txBody>
+      </p:sp>
+      <p:sp>
+        <p:nvSpPr>
+          <p:cNvPr id="6" name="TextBox 5"/>
+          <p:cNvSpPr txBox="1"/>
+          <p:nvPr/>
+        </p:nvSpPr>
+        <p:spPr>
+          <a:xfrm>
+            <a:off x="539751" y="406400"/>
+            <a:ext cx="2611228" cy="646331"/>
+          </a:xfrm>
+          <a:prstGeom prst="rect">
+            <a:avLst/>
+          </a:prstGeom>
+          <a:noFill/>
+        </p:spPr>
+        <p:txBody>
+          <a:bodyPr wrap="none" rtlCol="0">
+            <a:spAutoFit/>
+          </a:bodyPr>
+          <a:lstStyle/>
+          <a:p>
+            <a:r>
+              <a:rPr lang="en-US" sz="3600" b="1" dirty="0" smtClean="0">
+                <a:solidFill>
+                  <a:srgbClr val="2072AE"/>
+                </a:solidFill>
+              </a:rPr>
+              <a:t>Future uses?</a:t>
+            </a:r>
+            <a:endParaRPr lang="en-US" sz="3600" b="1" dirty="0" smtClean="0">
+              <a:solidFill>
+                <a:schemeClr val="bg1"/>
+              </a:solidFill>
+            </a:endParaRPr>
+          </a:p>
+        </p:txBody>
+      </p:sp>
+    </p:spTree>
+    <p:extLst>
+      <p:ext uri="{BB962C8B-B14F-4D97-AF65-F5344CB8AC3E}">
+        <p14:creationId xmlns:p14="http://schemas.microsoft.com/office/powerpoint/2010/main" val="842086884"/>
+      </p:ext>
+    </p:extLst>
+  </p:cSld>
+  <p:clrMapOvr>
+    <a:masterClrMapping/>
+  </p:clrMapOvr>
+  <p:timing>
+    <p:tnLst>
+      <p:par>
+        <p:cTn id="1" dur="indefinite" restart="never" nodeType="tmRoot"/>
+      </p:par>
+    </p:tnLst>
+  </p:timing>
+</p:sld>
+</file>
+
+<file path=ppt/slides/slide9.xml><?xml version="1.0" encoding="utf-8"?>
+<p:sld xmlns:a="http://schemas.openxmlformats.org/drawingml/2006/main" xmlns:r="http://schemas.openxmlformats.org/officeDocument/2006/relationships" xmlns:p="http://schemas.openxmlformats.org/presentationml/2006/main">
+  <p:cSld>
+    <p:spTree>
+      <p:nvGrpSpPr>
+        <p:cNvPr id="1" name=""/>
+        <p:cNvGrpSpPr/>
+        <p:nvPr/>
+      </p:nvGrpSpPr>
+      <p:grpSpPr>
+        <a:xfrm>
+          <a:off x="0" y="0"/>
+          <a:ext cx="0" cy="0"/>
+          <a:chOff x="0" y="0"/>
+          <a:chExt cx="0" cy="0"/>
+        </a:xfrm>
+      </p:grpSpPr>
+      <p:sp>
+        <p:nvSpPr>
+          <p:cNvPr id="10" name="TextBox 9"/>
+          <p:cNvSpPr txBox="1"/>
+          <p:nvPr/>
+        </p:nvSpPr>
+        <p:spPr>
+          <a:xfrm>
+            <a:off x="-4851400" y="2387600"/>
+            <a:ext cx="184666" cy="369332"/>
+          </a:xfrm>
+          <a:prstGeom prst="rect">
+            <a:avLst/>
+          </a:prstGeom>
+          <a:noFill/>
+        </p:spPr>
+        <p:txBody>
+          <a:bodyPr wrap="none" rtlCol="0">
+            <a:spAutoFit/>
+          </a:bodyPr>
+          <a:lstStyle/>
+          <a:p>
+            <a:endParaRPr lang="en-US" dirty="0"/>
+          </a:p>
+        </p:txBody>
+      </p:sp>
+      <p:sp>
+        <p:nvSpPr>
+          <p:cNvPr id="12" name="Rectangle 11"/>
+          <p:cNvSpPr/>
+          <p:nvPr/>
+        </p:nvSpPr>
+        <p:spPr>
+          <a:xfrm>
+            <a:off x="1250302" y="1774148"/>
             <a:ext cx="5379098" cy="820738"/>
           </a:xfrm>
           <a:prstGeom prst="rect">
@@ -2814,29 +3010,8 @@
                   <a:srgbClr val="2072AE"/>
                 </a:solidFill>
               </a:rPr>
-              <a:t> </a:t>
-            </a:r>
-            <a:r>
-              <a:rPr lang="en-US" sz="3600" b="1" dirty="0" smtClean="0">
-                <a:solidFill>
-                  <a:srgbClr val="2072AE"/>
-                </a:solidFill>
-              </a:rPr>
-              <a:t>page</a:t>
-            </a:r>
-            <a:r>
-              <a:rPr lang="en-US" sz="3600" b="1" dirty="0" smtClean="0">
-                <a:solidFill>
-                  <a:srgbClr val="2072AE"/>
-                </a:solidFill>
-              </a:rPr>
-              <a:t>:</a:t>
-            </a:r>
-            <a:endParaRPr lang="en-US" sz="3600" b="1" dirty="0" smtClean="0">
-              <a:solidFill>
-                <a:srgbClr val="2072AE"/>
-              </a:solidFill>
-            </a:endParaRPr>
+              <a:t> page:</a:t>
+            </a:r>
           </a:p>
         </p:txBody>
       </p:sp>
@@ -3543,6 +3718,15 @@
 </file>
 
 <file path=customXml/item1.xml><?xml version="1.0" encoding="utf-8"?>
+<?mso-contentType ?>
+<FormTemplates xmlns="http://schemas.microsoft.com/sharepoint/v3/contenttype/forms">
+  <Display>DocumentLibraryForm</Display>
+  <Edit>DocumentLibraryForm</Edit>
+  <New>DocumentLibraryForm</New>
+</FormTemplates>
+</file>
+
+<file path=customXml/item2.xml><?xml version="1.0" encoding="utf-8"?>
 <p:properties xmlns:p="http://schemas.microsoft.com/office/2006/metadata/properties" xmlns:xsi="http://www.w3.org/2001/XMLSchema-instance" xmlns:pc="http://schemas.microsoft.com/office/infopath/2007/PartnerControls">
   <documentManagement>
     <_Version xmlns="http://schemas.microsoft.com/sharepoint/v3/fields" xsi:nil="true"/>
@@ -3551,7 +3735,7 @@
 </p:properties>
 </file>
 
-<file path=customXml/item2.xml><?xml version="1.0" encoding="utf-8"?>
+<file path=customXml/item3.xml><?xml version="1.0" encoding="utf-8"?>
 <ct:contentTypeSchema xmlns:ct="http://schemas.microsoft.com/office/2006/metadata/contentType" xmlns:ma="http://schemas.microsoft.com/office/2006/metadata/properties/metaAttributes" ct:_="" ma:_="" ma:contentTypeName="Document" ma:contentTypeID="0x0101000DE64AEEDD9B7A4D93545ACBE97D4615" ma:contentTypeVersion="2" ma:contentTypeDescription="Create a new document." ma:contentTypeScope="" ma:versionID="f49002b78e3a4a71b814eef46a983816">
   <xsd:schema xmlns:xsd="http://www.w3.org/2001/XMLSchema" xmlns:xs="http://www.w3.org/2001/XMLSchema" xmlns:p="http://schemas.microsoft.com/office/2006/metadata/properties" xmlns:ns2="http://schemas.microsoft.com/sharepoint/v3/fields" targetNamespace="http://schemas.microsoft.com/office/2006/metadata/properties" ma:root="true" ma:fieldsID="38f6db2dd0d9a0cf6a8dc37be32b365b" ns2:_="">
     <xsd:import namespace="http://schemas.microsoft.com/sharepoint/v3/fields"/>
@@ -3695,16 +3879,15 @@
 </ct:contentTypeSchema>
 </file>
 
-<file path=customXml/item3.xml><?xml version="1.0" encoding="utf-8"?>
-<?mso-contentType ?>
-<FormTemplates xmlns="http://schemas.microsoft.com/sharepoint/v3/contenttype/forms">
-  <Display>DocumentLibraryForm</Display>
-  <Edit>DocumentLibraryForm</Edit>
-  <New>DocumentLibraryForm</New>
-</FormTemplates>
+<file path=customXml/itemProps1.xml><?xml version="1.0" encoding="utf-8"?>
+<ds:datastoreItem xmlns:ds="http://schemas.openxmlformats.org/officeDocument/2006/customXml" ds:itemID="{87D2A1B0-FF3E-4009-940D-AED0EB70AA20}">
+  <ds:schemaRefs>
+    <ds:schemaRef ds:uri="http://schemas.microsoft.com/sharepoint/v3/contenttype/forms"/>
+  </ds:schemaRefs>
+</ds:datastoreItem>
 </file>
 
-<file path=customXml/itemProps1.xml><?xml version="1.0" encoding="utf-8"?>
+<file path=customXml/itemProps2.xml><?xml version="1.0" encoding="utf-8"?>
 <ds:datastoreItem xmlns:ds="http://schemas.openxmlformats.org/officeDocument/2006/customXml" ds:itemID="{7B6F2769-7194-4217-93D3-3AF3A4742282}">
   <ds:schemaRefs>
     <ds:schemaRef ds:uri="http://schemas.microsoft.com/office/2006/metadata/properties"/>
@@ -3714,7 +3897,7 @@
 </ds:datastoreItem>
 </file>
 
-<file path=customXml/itemProps2.xml><?xml version="1.0" encoding="utf-8"?>
+<file path=customXml/itemProps3.xml><?xml version="1.0" encoding="utf-8"?>
 <ds:datastoreItem xmlns:ds="http://schemas.openxmlformats.org/officeDocument/2006/customXml" ds:itemID="{E4214858-785C-42F7-BE66-6D0E79395FC8}">
   <ds:schemaRefs>
     <ds:schemaRef ds:uri="http://schemas.microsoft.com/office/2006/metadata/contentType"/>
@@ -3730,12 +3913,4 @@
     <ds:schemaRef ds:uri="http://schemas.microsoft.com/internal/obd"/>
   </ds:schemaRefs>
 </ds:datastoreItem>
-</file>
-
-<file path=customXml/itemProps3.xml><?xml version="1.0" encoding="utf-8"?>
-<ds:datastoreItem xmlns:ds="http://schemas.openxmlformats.org/officeDocument/2006/customXml" ds:itemID="{87D2A1B0-FF3E-4009-940D-AED0EB70AA20}">
-  <ds:schemaRefs>
-    <ds:schemaRef ds:uri="http://schemas.microsoft.com/sharepoint/v3/contenttype/forms"/>
-  </ds:schemaRefs>
-</ds:datastoreItem>
 </file>